--- a/ppt 16-9/0287.今到主殿.pptx
+++ b/ppt 16-9/0287.今到主殿.pptx
@@ -129,7 +129,7 @@
           <p:cNvPr id="2" name="标题 1">
             <a:extLst>
               <a:ext uri="{FF2B5EF4-FFF2-40B4-BE49-F238E27FC236}">
-                <a16:creationId xmlns:a16="http://schemas.microsoft.com/office/drawing/2014/main" id="{0F7A936C-38AC-5536-03B2-6F5408FD0DA3}"/>
+                <a16:creationId xmlns:a16="http://schemas.microsoft.com/office/drawing/2014/main" id="{B513A56F-9CEF-7819-B9F4-3B5E784ADF81}"/>
               </a:ext>
             </a:extLst>
           </p:cNvPr>
@@ -166,7 +166,7 @@
           <p:cNvPr id="3" name="副标题 2">
             <a:extLst>
               <a:ext uri="{FF2B5EF4-FFF2-40B4-BE49-F238E27FC236}">
-                <a16:creationId xmlns:a16="http://schemas.microsoft.com/office/drawing/2014/main" id="{CE091A1B-7110-90EB-464D-AC0F990F3D1E}"/>
+                <a16:creationId xmlns:a16="http://schemas.microsoft.com/office/drawing/2014/main" id="{59365AEC-C2DC-CA2F-BDFB-EF8B0BA43C82}"/>
               </a:ext>
             </a:extLst>
           </p:cNvPr>
@@ -236,7 +236,7 @@
           <p:cNvPr id="4" name="日期占位符 3">
             <a:extLst>
               <a:ext uri="{FF2B5EF4-FFF2-40B4-BE49-F238E27FC236}">
-                <a16:creationId xmlns:a16="http://schemas.microsoft.com/office/drawing/2014/main" id="{31057E8F-0C14-DBEA-71A3-8C906E10B33F}"/>
+                <a16:creationId xmlns:a16="http://schemas.microsoft.com/office/drawing/2014/main" id="{CF8F96FF-B8C1-DBA2-E2FE-4F95934CCFC2}"/>
               </a:ext>
             </a:extLst>
           </p:cNvPr>
@@ -252,7 +252,7 @@
           <a:bodyPr/>
           <a:lstStyle/>
           <a:p>
-            <a:fld id="{F450B8F7-741E-402B-8960-A2E1149195DE}" type="datetimeFigureOut">
+            <a:fld id="{A8CC7C15-438F-4F06-85CF-3D3CC715DC7C}" type="datetimeFigureOut">
               <a:rPr lang="zh-CN" altLang="en-US" smtClean="0"/>
               <a:t>2024/3/10</a:t>
             </a:fld>
@@ -265,7 +265,7 @@
           <p:cNvPr id="5" name="页脚占位符 4">
             <a:extLst>
               <a:ext uri="{FF2B5EF4-FFF2-40B4-BE49-F238E27FC236}">
-                <a16:creationId xmlns:a16="http://schemas.microsoft.com/office/drawing/2014/main" id="{765CFE05-66D0-8FB8-1A45-7938E7A29052}"/>
+                <a16:creationId xmlns:a16="http://schemas.microsoft.com/office/drawing/2014/main" id="{6D9115FA-212D-CF64-DADF-9BA45DFFE709}"/>
               </a:ext>
             </a:extLst>
           </p:cNvPr>
@@ -290,7 +290,7 @@
           <p:cNvPr id="6" name="灯片编号占位符 5">
             <a:extLst>
               <a:ext uri="{FF2B5EF4-FFF2-40B4-BE49-F238E27FC236}">
-                <a16:creationId xmlns:a16="http://schemas.microsoft.com/office/drawing/2014/main" id="{6361868F-FC0D-EF80-6C4E-37B43EACA666}"/>
+                <a16:creationId xmlns:a16="http://schemas.microsoft.com/office/drawing/2014/main" id="{F52AD64F-A7C0-A3EF-E84D-30DEB0A31AD9}"/>
               </a:ext>
             </a:extLst>
           </p:cNvPr>
@@ -306,7 +306,7 @@
           <a:bodyPr/>
           <a:lstStyle/>
           <a:p>
-            <a:fld id="{014D9A22-5DA3-464D-9DA0-B2ADAA0E430F}" type="slidenum">
+            <a:fld id="{EE28B2A0-37AE-4888-A695-5E9606525FC6}" type="slidenum">
               <a:rPr lang="zh-CN" altLang="en-US" smtClean="0"/>
               <a:t>‹#›</a:t>
             </a:fld>
@@ -317,7 +317,7 @@
     </p:spTree>
     <p:extLst>
       <p:ext uri="{BB962C8B-B14F-4D97-AF65-F5344CB8AC3E}">
-        <p14:creationId xmlns:p14="http://schemas.microsoft.com/office/powerpoint/2010/main" val="1071794249"/>
+        <p14:creationId xmlns:p14="http://schemas.microsoft.com/office/powerpoint/2010/main" val="1289025458"/>
       </p:ext>
     </p:extLst>
   </p:cSld>
@@ -349,7 +349,7 @@
           <p:cNvPr id="2" name="标题 1">
             <a:extLst>
               <a:ext uri="{FF2B5EF4-FFF2-40B4-BE49-F238E27FC236}">
-                <a16:creationId xmlns:a16="http://schemas.microsoft.com/office/drawing/2014/main" id="{F89CE2C1-5D0A-DD6F-FFBC-5054D2232980}"/>
+                <a16:creationId xmlns:a16="http://schemas.microsoft.com/office/drawing/2014/main" id="{5198D960-725B-D66E-4189-762599BD8F13}"/>
               </a:ext>
             </a:extLst>
           </p:cNvPr>
@@ -377,7 +377,7 @@
           <p:cNvPr id="3" name="竖排文字占位符 2">
             <a:extLst>
               <a:ext uri="{FF2B5EF4-FFF2-40B4-BE49-F238E27FC236}">
-                <a16:creationId xmlns:a16="http://schemas.microsoft.com/office/drawing/2014/main" id="{72E13B4A-FC02-6FAB-6671-B18505B7AE23}"/>
+                <a16:creationId xmlns:a16="http://schemas.microsoft.com/office/drawing/2014/main" id="{B4032827-79BD-4D5E-1CAD-D85BCF9ACB10}"/>
               </a:ext>
             </a:extLst>
           </p:cNvPr>
@@ -434,7 +434,7 @@
           <p:cNvPr id="4" name="日期占位符 3">
             <a:extLst>
               <a:ext uri="{FF2B5EF4-FFF2-40B4-BE49-F238E27FC236}">
-                <a16:creationId xmlns:a16="http://schemas.microsoft.com/office/drawing/2014/main" id="{D107F0BF-3EB1-F617-8750-CA1F7B5BC3A4}"/>
+                <a16:creationId xmlns:a16="http://schemas.microsoft.com/office/drawing/2014/main" id="{E642AEBC-B4E9-4C79-13E0-33143F496D06}"/>
               </a:ext>
             </a:extLst>
           </p:cNvPr>
@@ -450,7 +450,7 @@
           <a:bodyPr/>
           <a:lstStyle/>
           <a:p>
-            <a:fld id="{F450B8F7-741E-402B-8960-A2E1149195DE}" type="datetimeFigureOut">
+            <a:fld id="{A8CC7C15-438F-4F06-85CF-3D3CC715DC7C}" type="datetimeFigureOut">
               <a:rPr lang="zh-CN" altLang="en-US" smtClean="0"/>
               <a:t>2024/3/10</a:t>
             </a:fld>
@@ -463,7 +463,7 @@
           <p:cNvPr id="5" name="页脚占位符 4">
             <a:extLst>
               <a:ext uri="{FF2B5EF4-FFF2-40B4-BE49-F238E27FC236}">
-                <a16:creationId xmlns:a16="http://schemas.microsoft.com/office/drawing/2014/main" id="{9EBFA421-BC36-0164-71A9-1B3A811651E3}"/>
+                <a16:creationId xmlns:a16="http://schemas.microsoft.com/office/drawing/2014/main" id="{CFAC230A-C7CA-9F38-524C-CFBEE8E0A0A0}"/>
               </a:ext>
             </a:extLst>
           </p:cNvPr>
@@ -488,7 +488,7 @@
           <p:cNvPr id="6" name="灯片编号占位符 5">
             <a:extLst>
               <a:ext uri="{FF2B5EF4-FFF2-40B4-BE49-F238E27FC236}">
-                <a16:creationId xmlns:a16="http://schemas.microsoft.com/office/drawing/2014/main" id="{759AF634-39B9-6A51-802E-47AF9386DFB0}"/>
+                <a16:creationId xmlns:a16="http://schemas.microsoft.com/office/drawing/2014/main" id="{483C0B52-86B5-E80B-356B-0409E9FA1E81}"/>
               </a:ext>
             </a:extLst>
           </p:cNvPr>
@@ -504,7 +504,7 @@
           <a:bodyPr/>
           <a:lstStyle/>
           <a:p>
-            <a:fld id="{014D9A22-5DA3-464D-9DA0-B2ADAA0E430F}" type="slidenum">
+            <a:fld id="{EE28B2A0-37AE-4888-A695-5E9606525FC6}" type="slidenum">
               <a:rPr lang="zh-CN" altLang="en-US" smtClean="0"/>
               <a:t>‹#›</a:t>
             </a:fld>
@@ -515,7 +515,7 @@
     </p:spTree>
     <p:extLst>
       <p:ext uri="{BB962C8B-B14F-4D97-AF65-F5344CB8AC3E}">
-        <p14:creationId xmlns:p14="http://schemas.microsoft.com/office/powerpoint/2010/main" val="647656227"/>
+        <p14:creationId xmlns:p14="http://schemas.microsoft.com/office/powerpoint/2010/main" val="550081975"/>
       </p:ext>
     </p:extLst>
   </p:cSld>
@@ -547,7 +547,7 @@
           <p:cNvPr id="2" name="竖排标题 1">
             <a:extLst>
               <a:ext uri="{FF2B5EF4-FFF2-40B4-BE49-F238E27FC236}">
-                <a16:creationId xmlns:a16="http://schemas.microsoft.com/office/drawing/2014/main" id="{CA096A95-EC6B-0BE7-8717-D2C1644BC1E7}"/>
+                <a16:creationId xmlns:a16="http://schemas.microsoft.com/office/drawing/2014/main" id="{B9CB37CE-C871-55E2-F4E0-C3E85D8B0D90}"/>
               </a:ext>
             </a:extLst>
           </p:cNvPr>
@@ -580,7 +580,7 @@
           <p:cNvPr id="3" name="竖排文字占位符 2">
             <a:extLst>
               <a:ext uri="{FF2B5EF4-FFF2-40B4-BE49-F238E27FC236}">
-                <a16:creationId xmlns:a16="http://schemas.microsoft.com/office/drawing/2014/main" id="{577EAA31-80AA-CD1F-D07A-9EE98950B06E}"/>
+                <a16:creationId xmlns:a16="http://schemas.microsoft.com/office/drawing/2014/main" id="{AABB010F-0156-FABB-34E3-D1EE6C0FAAE4}"/>
               </a:ext>
             </a:extLst>
           </p:cNvPr>
@@ -642,7 +642,7 @@
           <p:cNvPr id="4" name="日期占位符 3">
             <a:extLst>
               <a:ext uri="{FF2B5EF4-FFF2-40B4-BE49-F238E27FC236}">
-                <a16:creationId xmlns:a16="http://schemas.microsoft.com/office/drawing/2014/main" id="{2170B617-D41B-E10B-7D94-EFD8C522C1A7}"/>
+                <a16:creationId xmlns:a16="http://schemas.microsoft.com/office/drawing/2014/main" id="{B7C0ED33-8F99-8A78-9C1D-D342B5C7626F}"/>
               </a:ext>
             </a:extLst>
           </p:cNvPr>
@@ -658,7 +658,7 @@
           <a:bodyPr/>
           <a:lstStyle/>
           <a:p>
-            <a:fld id="{F450B8F7-741E-402B-8960-A2E1149195DE}" type="datetimeFigureOut">
+            <a:fld id="{A8CC7C15-438F-4F06-85CF-3D3CC715DC7C}" type="datetimeFigureOut">
               <a:rPr lang="zh-CN" altLang="en-US" smtClean="0"/>
               <a:t>2024/3/10</a:t>
             </a:fld>
@@ -671,7 +671,7 @@
           <p:cNvPr id="5" name="页脚占位符 4">
             <a:extLst>
               <a:ext uri="{FF2B5EF4-FFF2-40B4-BE49-F238E27FC236}">
-                <a16:creationId xmlns:a16="http://schemas.microsoft.com/office/drawing/2014/main" id="{F795A60B-7021-F5F1-20B2-7B3AB4DA4954}"/>
+                <a16:creationId xmlns:a16="http://schemas.microsoft.com/office/drawing/2014/main" id="{D2DC7DDA-8A52-EC50-401E-279A0D84491E}"/>
               </a:ext>
             </a:extLst>
           </p:cNvPr>
@@ -696,7 +696,7 @@
           <p:cNvPr id="6" name="灯片编号占位符 5">
             <a:extLst>
               <a:ext uri="{FF2B5EF4-FFF2-40B4-BE49-F238E27FC236}">
-                <a16:creationId xmlns:a16="http://schemas.microsoft.com/office/drawing/2014/main" id="{AF954D3B-A3BC-DFAF-9351-69E8175B71EB}"/>
+                <a16:creationId xmlns:a16="http://schemas.microsoft.com/office/drawing/2014/main" id="{C59169FE-38DA-6225-0C07-BC469646C583}"/>
               </a:ext>
             </a:extLst>
           </p:cNvPr>
@@ -712,7 +712,7 @@
           <a:bodyPr/>
           <a:lstStyle/>
           <a:p>
-            <a:fld id="{014D9A22-5DA3-464D-9DA0-B2ADAA0E430F}" type="slidenum">
+            <a:fld id="{EE28B2A0-37AE-4888-A695-5E9606525FC6}" type="slidenum">
               <a:rPr lang="zh-CN" altLang="en-US" smtClean="0"/>
               <a:t>‹#›</a:t>
             </a:fld>
@@ -723,7 +723,7 @@
     </p:spTree>
     <p:extLst>
       <p:ext uri="{BB962C8B-B14F-4D97-AF65-F5344CB8AC3E}">
-        <p14:creationId xmlns:p14="http://schemas.microsoft.com/office/powerpoint/2010/main" val="4032344089"/>
+        <p14:creationId xmlns:p14="http://schemas.microsoft.com/office/powerpoint/2010/main" val="447318037"/>
       </p:ext>
     </p:extLst>
   </p:cSld>
@@ -755,7 +755,7 @@
           <p:cNvPr id="2" name="标题 1">
             <a:extLst>
               <a:ext uri="{FF2B5EF4-FFF2-40B4-BE49-F238E27FC236}">
-                <a16:creationId xmlns:a16="http://schemas.microsoft.com/office/drawing/2014/main" id="{D065E4A2-DB31-EC20-B876-25A63EA1837A}"/>
+                <a16:creationId xmlns:a16="http://schemas.microsoft.com/office/drawing/2014/main" id="{9D87B6EA-0FBD-603E-B942-756D9CB0CADB}"/>
               </a:ext>
             </a:extLst>
           </p:cNvPr>
@@ -783,7 +783,7 @@
           <p:cNvPr id="3" name="内容占位符 2">
             <a:extLst>
               <a:ext uri="{FF2B5EF4-FFF2-40B4-BE49-F238E27FC236}">
-                <a16:creationId xmlns:a16="http://schemas.microsoft.com/office/drawing/2014/main" id="{DAEE43E6-6568-A53E-A5B0-23265EBFAEC2}"/>
+                <a16:creationId xmlns:a16="http://schemas.microsoft.com/office/drawing/2014/main" id="{F3CE6067-4A1A-0AF4-4B68-9E3E4BA2757C}"/>
               </a:ext>
             </a:extLst>
           </p:cNvPr>
@@ -840,7 +840,7 @@
           <p:cNvPr id="4" name="日期占位符 3">
             <a:extLst>
               <a:ext uri="{FF2B5EF4-FFF2-40B4-BE49-F238E27FC236}">
-                <a16:creationId xmlns:a16="http://schemas.microsoft.com/office/drawing/2014/main" id="{2658AB55-953B-5F26-3C51-2C515124AC53}"/>
+                <a16:creationId xmlns:a16="http://schemas.microsoft.com/office/drawing/2014/main" id="{E86DF20C-6017-D020-A3A5-55C19B50DEB7}"/>
               </a:ext>
             </a:extLst>
           </p:cNvPr>
@@ -856,7 +856,7 @@
           <a:bodyPr/>
           <a:lstStyle/>
           <a:p>
-            <a:fld id="{F450B8F7-741E-402B-8960-A2E1149195DE}" type="datetimeFigureOut">
+            <a:fld id="{A8CC7C15-438F-4F06-85CF-3D3CC715DC7C}" type="datetimeFigureOut">
               <a:rPr lang="zh-CN" altLang="en-US" smtClean="0"/>
               <a:t>2024/3/10</a:t>
             </a:fld>
@@ -869,7 +869,7 @@
           <p:cNvPr id="5" name="页脚占位符 4">
             <a:extLst>
               <a:ext uri="{FF2B5EF4-FFF2-40B4-BE49-F238E27FC236}">
-                <a16:creationId xmlns:a16="http://schemas.microsoft.com/office/drawing/2014/main" id="{402A6CDE-89BC-4AC3-8951-918FBE498778}"/>
+                <a16:creationId xmlns:a16="http://schemas.microsoft.com/office/drawing/2014/main" id="{56AE4CD6-F4BB-F5D4-7314-402C33D0AEE5}"/>
               </a:ext>
             </a:extLst>
           </p:cNvPr>
@@ -894,7 +894,7 @@
           <p:cNvPr id="6" name="灯片编号占位符 5">
             <a:extLst>
               <a:ext uri="{FF2B5EF4-FFF2-40B4-BE49-F238E27FC236}">
-                <a16:creationId xmlns:a16="http://schemas.microsoft.com/office/drawing/2014/main" id="{0078338B-8F69-73A8-0E32-21303E63D0C9}"/>
+                <a16:creationId xmlns:a16="http://schemas.microsoft.com/office/drawing/2014/main" id="{517B8749-9CFF-C546-7392-7FFDF8BF7435}"/>
               </a:ext>
             </a:extLst>
           </p:cNvPr>
@@ -910,7 +910,7 @@
           <a:bodyPr/>
           <a:lstStyle/>
           <a:p>
-            <a:fld id="{014D9A22-5DA3-464D-9DA0-B2ADAA0E430F}" type="slidenum">
+            <a:fld id="{EE28B2A0-37AE-4888-A695-5E9606525FC6}" type="slidenum">
               <a:rPr lang="zh-CN" altLang="en-US" smtClean="0"/>
               <a:t>‹#›</a:t>
             </a:fld>
@@ -921,7 +921,7 @@
     </p:spTree>
     <p:extLst>
       <p:ext uri="{BB962C8B-B14F-4D97-AF65-F5344CB8AC3E}">
-        <p14:creationId xmlns:p14="http://schemas.microsoft.com/office/powerpoint/2010/main" val="3351743764"/>
+        <p14:creationId xmlns:p14="http://schemas.microsoft.com/office/powerpoint/2010/main" val="2010462549"/>
       </p:ext>
     </p:extLst>
   </p:cSld>
@@ -953,7 +953,7 @@
           <p:cNvPr id="2" name="标题 1">
             <a:extLst>
               <a:ext uri="{FF2B5EF4-FFF2-40B4-BE49-F238E27FC236}">
-                <a16:creationId xmlns:a16="http://schemas.microsoft.com/office/drawing/2014/main" id="{62682F77-3C62-A917-28F2-27EEF57F03BC}"/>
+                <a16:creationId xmlns:a16="http://schemas.microsoft.com/office/drawing/2014/main" id="{49D2D8AB-E0DC-E293-A98F-3C112AC35591}"/>
               </a:ext>
             </a:extLst>
           </p:cNvPr>
@@ -990,7 +990,7 @@
           <p:cNvPr id="3" name="文本占位符 2">
             <a:extLst>
               <a:ext uri="{FF2B5EF4-FFF2-40B4-BE49-F238E27FC236}">
-                <a16:creationId xmlns:a16="http://schemas.microsoft.com/office/drawing/2014/main" id="{AFEC3367-F4C2-61A4-8849-1F1FF6645F9F}"/>
+                <a16:creationId xmlns:a16="http://schemas.microsoft.com/office/drawing/2014/main" id="{0E747D08-2FB3-416F-E1B0-A1C00A1D18CB}"/>
               </a:ext>
             </a:extLst>
           </p:cNvPr>
@@ -1115,7 +1115,7 @@
           <p:cNvPr id="4" name="日期占位符 3">
             <a:extLst>
               <a:ext uri="{FF2B5EF4-FFF2-40B4-BE49-F238E27FC236}">
-                <a16:creationId xmlns:a16="http://schemas.microsoft.com/office/drawing/2014/main" id="{EE857CF7-92CE-A252-4304-EF681CB71A51}"/>
+                <a16:creationId xmlns:a16="http://schemas.microsoft.com/office/drawing/2014/main" id="{859FA4FF-0F2F-C49C-E1D8-E02C3009CC7C}"/>
               </a:ext>
             </a:extLst>
           </p:cNvPr>
@@ -1131,7 +1131,7 @@
           <a:bodyPr/>
           <a:lstStyle/>
           <a:p>
-            <a:fld id="{F450B8F7-741E-402B-8960-A2E1149195DE}" type="datetimeFigureOut">
+            <a:fld id="{A8CC7C15-438F-4F06-85CF-3D3CC715DC7C}" type="datetimeFigureOut">
               <a:rPr lang="zh-CN" altLang="en-US" smtClean="0"/>
               <a:t>2024/3/10</a:t>
             </a:fld>
@@ -1144,7 +1144,7 @@
           <p:cNvPr id="5" name="页脚占位符 4">
             <a:extLst>
               <a:ext uri="{FF2B5EF4-FFF2-40B4-BE49-F238E27FC236}">
-                <a16:creationId xmlns:a16="http://schemas.microsoft.com/office/drawing/2014/main" id="{52E4B33C-EFA4-A21E-2C9F-3190D0C45A86}"/>
+                <a16:creationId xmlns:a16="http://schemas.microsoft.com/office/drawing/2014/main" id="{0EAA19B2-8B7E-D000-DD5C-DEE824691830}"/>
               </a:ext>
             </a:extLst>
           </p:cNvPr>
@@ -1169,7 +1169,7 @@
           <p:cNvPr id="6" name="灯片编号占位符 5">
             <a:extLst>
               <a:ext uri="{FF2B5EF4-FFF2-40B4-BE49-F238E27FC236}">
-                <a16:creationId xmlns:a16="http://schemas.microsoft.com/office/drawing/2014/main" id="{A9C559D7-9CDB-23A5-5C0C-2F92223D8EDC}"/>
+                <a16:creationId xmlns:a16="http://schemas.microsoft.com/office/drawing/2014/main" id="{A5BD8CE0-A5EE-4831-5848-84E88183E53D}"/>
               </a:ext>
             </a:extLst>
           </p:cNvPr>
@@ -1185,7 +1185,7 @@
           <a:bodyPr/>
           <a:lstStyle/>
           <a:p>
-            <a:fld id="{014D9A22-5DA3-464D-9DA0-B2ADAA0E430F}" type="slidenum">
+            <a:fld id="{EE28B2A0-37AE-4888-A695-5E9606525FC6}" type="slidenum">
               <a:rPr lang="zh-CN" altLang="en-US" smtClean="0"/>
               <a:t>‹#›</a:t>
             </a:fld>
@@ -1196,7 +1196,7 @@
     </p:spTree>
     <p:extLst>
       <p:ext uri="{BB962C8B-B14F-4D97-AF65-F5344CB8AC3E}">
-        <p14:creationId xmlns:p14="http://schemas.microsoft.com/office/powerpoint/2010/main" val="2096515280"/>
+        <p14:creationId xmlns:p14="http://schemas.microsoft.com/office/powerpoint/2010/main" val="2605073740"/>
       </p:ext>
     </p:extLst>
   </p:cSld>
@@ -1228,7 +1228,7 @@
           <p:cNvPr id="2" name="标题 1">
             <a:extLst>
               <a:ext uri="{FF2B5EF4-FFF2-40B4-BE49-F238E27FC236}">
-                <a16:creationId xmlns:a16="http://schemas.microsoft.com/office/drawing/2014/main" id="{E9592711-350D-62E7-ADFA-901062C1C78E}"/>
+                <a16:creationId xmlns:a16="http://schemas.microsoft.com/office/drawing/2014/main" id="{F9C81DD1-3901-8AFD-374A-6EA98A5613A8}"/>
               </a:ext>
             </a:extLst>
           </p:cNvPr>
@@ -1256,7 +1256,7 @@
           <p:cNvPr id="3" name="内容占位符 2">
             <a:extLst>
               <a:ext uri="{FF2B5EF4-FFF2-40B4-BE49-F238E27FC236}">
-                <a16:creationId xmlns:a16="http://schemas.microsoft.com/office/drawing/2014/main" id="{DE213860-5775-3CAC-B053-9BA1CCE38EBC}"/>
+                <a16:creationId xmlns:a16="http://schemas.microsoft.com/office/drawing/2014/main" id="{805D8AA2-DA5C-7C1B-834A-1A100FB61A4F}"/>
               </a:ext>
             </a:extLst>
           </p:cNvPr>
@@ -1318,7 +1318,7 @@
           <p:cNvPr id="4" name="内容占位符 3">
             <a:extLst>
               <a:ext uri="{FF2B5EF4-FFF2-40B4-BE49-F238E27FC236}">
-                <a16:creationId xmlns:a16="http://schemas.microsoft.com/office/drawing/2014/main" id="{A8FADCEB-59B4-3060-7750-9BE30115465D}"/>
+                <a16:creationId xmlns:a16="http://schemas.microsoft.com/office/drawing/2014/main" id="{F0981929-9A0A-6875-A948-F09E9C5F4856}"/>
               </a:ext>
             </a:extLst>
           </p:cNvPr>
@@ -1380,7 +1380,7 @@
           <p:cNvPr id="5" name="日期占位符 4">
             <a:extLst>
               <a:ext uri="{FF2B5EF4-FFF2-40B4-BE49-F238E27FC236}">
-                <a16:creationId xmlns:a16="http://schemas.microsoft.com/office/drawing/2014/main" id="{C01A2E49-FF86-7E08-050C-7EEDF55DE648}"/>
+                <a16:creationId xmlns:a16="http://schemas.microsoft.com/office/drawing/2014/main" id="{9DB87F7A-93F7-CA25-307D-001B28CB9654}"/>
               </a:ext>
             </a:extLst>
           </p:cNvPr>
@@ -1396,7 +1396,7 @@
           <a:bodyPr/>
           <a:lstStyle/>
           <a:p>
-            <a:fld id="{F450B8F7-741E-402B-8960-A2E1149195DE}" type="datetimeFigureOut">
+            <a:fld id="{A8CC7C15-438F-4F06-85CF-3D3CC715DC7C}" type="datetimeFigureOut">
               <a:rPr lang="zh-CN" altLang="en-US" smtClean="0"/>
               <a:t>2024/3/10</a:t>
             </a:fld>
@@ -1409,7 +1409,7 @@
           <p:cNvPr id="6" name="页脚占位符 5">
             <a:extLst>
               <a:ext uri="{FF2B5EF4-FFF2-40B4-BE49-F238E27FC236}">
-                <a16:creationId xmlns:a16="http://schemas.microsoft.com/office/drawing/2014/main" id="{C093BDFA-D9FC-3758-8DE7-C46E8A21DAE3}"/>
+                <a16:creationId xmlns:a16="http://schemas.microsoft.com/office/drawing/2014/main" id="{E5C99A4C-3D77-048A-48A0-F40E44421496}"/>
               </a:ext>
             </a:extLst>
           </p:cNvPr>
@@ -1434,7 +1434,7 @@
           <p:cNvPr id="7" name="灯片编号占位符 6">
             <a:extLst>
               <a:ext uri="{FF2B5EF4-FFF2-40B4-BE49-F238E27FC236}">
-                <a16:creationId xmlns:a16="http://schemas.microsoft.com/office/drawing/2014/main" id="{2AC7E36C-7584-E811-CF4C-780182E9953B}"/>
+                <a16:creationId xmlns:a16="http://schemas.microsoft.com/office/drawing/2014/main" id="{FAB66487-F731-642E-2C01-7FC9E2ED9C43}"/>
               </a:ext>
             </a:extLst>
           </p:cNvPr>
@@ -1450,7 +1450,7 @@
           <a:bodyPr/>
           <a:lstStyle/>
           <a:p>
-            <a:fld id="{014D9A22-5DA3-464D-9DA0-B2ADAA0E430F}" type="slidenum">
+            <a:fld id="{EE28B2A0-37AE-4888-A695-5E9606525FC6}" type="slidenum">
               <a:rPr lang="zh-CN" altLang="en-US" smtClean="0"/>
               <a:t>‹#›</a:t>
             </a:fld>
@@ -1461,7 +1461,7 @@
     </p:spTree>
     <p:extLst>
       <p:ext uri="{BB962C8B-B14F-4D97-AF65-F5344CB8AC3E}">
-        <p14:creationId xmlns:p14="http://schemas.microsoft.com/office/powerpoint/2010/main" val="1098114781"/>
+        <p14:creationId xmlns:p14="http://schemas.microsoft.com/office/powerpoint/2010/main" val="3845467231"/>
       </p:ext>
     </p:extLst>
   </p:cSld>
@@ -1493,7 +1493,7 @@
           <p:cNvPr id="2" name="标题 1">
             <a:extLst>
               <a:ext uri="{FF2B5EF4-FFF2-40B4-BE49-F238E27FC236}">
-                <a16:creationId xmlns:a16="http://schemas.microsoft.com/office/drawing/2014/main" id="{8235FA79-7B7D-A1EB-A072-48EAEBB55243}"/>
+                <a16:creationId xmlns:a16="http://schemas.microsoft.com/office/drawing/2014/main" id="{93EBD0BF-A273-F5CB-DA61-92A2D905B658}"/>
               </a:ext>
             </a:extLst>
           </p:cNvPr>
@@ -1526,7 +1526,7 @@
           <p:cNvPr id="3" name="文本占位符 2">
             <a:extLst>
               <a:ext uri="{FF2B5EF4-FFF2-40B4-BE49-F238E27FC236}">
-                <a16:creationId xmlns:a16="http://schemas.microsoft.com/office/drawing/2014/main" id="{D720E60B-3548-592A-5160-61D601B93D64}"/>
+                <a16:creationId xmlns:a16="http://schemas.microsoft.com/office/drawing/2014/main" id="{DCCF343A-5198-9317-0C30-8FA32BD24D1A}"/>
               </a:ext>
             </a:extLst>
           </p:cNvPr>
@@ -1597,7 +1597,7 @@
           <p:cNvPr id="4" name="内容占位符 3">
             <a:extLst>
               <a:ext uri="{FF2B5EF4-FFF2-40B4-BE49-F238E27FC236}">
-                <a16:creationId xmlns:a16="http://schemas.microsoft.com/office/drawing/2014/main" id="{8655B5D9-D88A-63CF-B925-8BE852816A89}"/>
+                <a16:creationId xmlns:a16="http://schemas.microsoft.com/office/drawing/2014/main" id="{21111044-6B38-A18A-9A3A-80B4DB3619DA}"/>
               </a:ext>
             </a:extLst>
           </p:cNvPr>
@@ -1659,7 +1659,7 @@
           <p:cNvPr id="5" name="文本占位符 4">
             <a:extLst>
               <a:ext uri="{FF2B5EF4-FFF2-40B4-BE49-F238E27FC236}">
-                <a16:creationId xmlns:a16="http://schemas.microsoft.com/office/drawing/2014/main" id="{70FC7614-BB65-DD3F-199D-B0809FE39BA0}"/>
+                <a16:creationId xmlns:a16="http://schemas.microsoft.com/office/drawing/2014/main" id="{F444628F-0B4B-860D-6DCA-0F8F4EA9710F}"/>
               </a:ext>
             </a:extLst>
           </p:cNvPr>
@@ -1730,7 +1730,7 @@
           <p:cNvPr id="6" name="内容占位符 5">
             <a:extLst>
               <a:ext uri="{FF2B5EF4-FFF2-40B4-BE49-F238E27FC236}">
-                <a16:creationId xmlns:a16="http://schemas.microsoft.com/office/drawing/2014/main" id="{B6B6BF67-DC76-796F-383B-81824607F172}"/>
+                <a16:creationId xmlns:a16="http://schemas.microsoft.com/office/drawing/2014/main" id="{AF9B6977-32A3-EBA5-1D6D-4AB77EF1C1C6}"/>
               </a:ext>
             </a:extLst>
           </p:cNvPr>
@@ -1792,7 +1792,7 @@
           <p:cNvPr id="7" name="日期占位符 6">
             <a:extLst>
               <a:ext uri="{FF2B5EF4-FFF2-40B4-BE49-F238E27FC236}">
-                <a16:creationId xmlns:a16="http://schemas.microsoft.com/office/drawing/2014/main" id="{236DE5C1-77C5-C7AD-625F-2D3050F27594}"/>
+                <a16:creationId xmlns:a16="http://schemas.microsoft.com/office/drawing/2014/main" id="{B1B7091F-160B-9309-C36E-7039852EC47C}"/>
               </a:ext>
             </a:extLst>
           </p:cNvPr>
@@ -1808,7 +1808,7 @@
           <a:bodyPr/>
           <a:lstStyle/>
           <a:p>
-            <a:fld id="{F450B8F7-741E-402B-8960-A2E1149195DE}" type="datetimeFigureOut">
+            <a:fld id="{A8CC7C15-438F-4F06-85CF-3D3CC715DC7C}" type="datetimeFigureOut">
               <a:rPr lang="zh-CN" altLang="en-US" smtClean="0"/>
               <a:t>2024/3/10</a:t>
             </a:fld>
@@ -1821,7 +1821,7 @@
           <p:cNvPr id="8" name="页脚占位符 7">
             <a:extLst>
               <a:ext uri="{FF2B5EF4-FFF2-40B4-BE49-F238E27FC236}">
-                <a16:creationId xmlns:a16="http://schemas.microsoft.com/office/drawing/2014/main" id="{C7062F3E-8533-6B6F-E169-E9AD85F61DDF}"/>
+                <a16:creationId xmlns:a16="http://schemas.microsoft.com/office/drawing/2014/main" id="{83946183-71B8-BCD7-0346-4148A449E1F8}"/>
               </a:ext>
             </a:extLst>
           </p:cNvPr>
@@ -1846,7 +1846,7 @@
           <p:cNvPr id="9" name="灯片编号占位符 8">
             <a:extLst>
               <a:ext uri="{FF2B5EF4-FFF2-40B4-BE49-F238E27FC236}">
-                <a16:creationId xmlns:a16="http://schemas.microsoft.com/office/drawing/2014/main" id="{54247219-390A-CB41-6883-A3CC33431045}"/>
+                <a16:creationId xmlns:a16="http://schemas.microsoft.com/office/drawing/2014/main" id="{D1816670-9467-6BAD-DF45-EA392C6AD02C}"/>
               </a:ext>
             </a:extLst>
           </p:cNvPr>
@@ -1862,7 +1862,7 @@
           <a:bodyPr/>
           <a:lstStyle/>
           <a:p>
-            <a:fld id="{014D9A22-5DA3-464D-9DA0-B2ADAA0E430F}" type="slidenum">
+            <a:fld id="{EE28B2A0-37AE-4888-A695-5E9606525FC6}" type="slidenum">
               <a:rPr lang="zh-CN" altLang="en-US" smtClean="0"/>
               <a:t>‹#›</a:t>
             </a:fld>
@@ -1873,7 +1873,7 @@
     </p:spTree>
     <p:extLst>
       <p:ext uri="{BB962C8B-B14F-4D97-AF65-F5344CB8AC3E}">
-        <p14:creationId xmlns:p14="http://schemas.microsoft.com/office/powerpoint/2010/main" val="3146405620"/>
+        <p14:creationId xmlns:p14="http://schemas.microsoft.com/office/powerpoint/2010/main" val="2266587982"/>
       </p:ext>
     </p:extLst>
   </p:cSld>
@@ -1905,7 +1905,7 @@
           <p:cNvPr id="2" name="标题 1">
             <a:extLst>
               <a:ext uri="{FF2B5EF4-FFF2-40B4-BE49-F238E27FC236}">
-                <a16:creationId xmlns:a16="http://schemas.microsoft.com/office/drawing/2014/main" id="{05016880-7BF5-7FC6-A4A8-9E50D5FC80E3}"/>
+                <a16:creationId xmlns:a16="http://schemas.microsoft.com/office/drawing/2014/main" id="{7692936F-2A97-4385-8BA8-A3EEA85EE653}"/>
               </a:ext>
             </a:extLst>
           </p:cNvPr>
@@ -1933,7 +1933,7 @@
           <p:cNvPr id="3" name="日期占位符 2">
             <a:extLst>
               <a:ext uri="{FF2B5EF4-FFF2-40B4-BE49-F238E27FC236}">
-                <a16:creationId xmlns:a16="http://schemas.microsoft.com/office/drawing/2014/main" id="{9D6CCC68-1B89-3B55-A39C-5FC963F97BBA}"/>
+                <a16:creationId xmlns:a16="http://schemas.microsoft.com/office/drawing/2014/main" id="{B37A79F9-1EE8-1AC3-731E-534A4949F13C}"/>
               </a:ext>
             </a:extLst>
           </p:cNvPr>
@@ -1949,7 +1949,7 @@
           <a:bodyPr/>
           <a:lstStyle/>
           <a:p>
-            <a:fld id="{F450B8F7-741E-402B-8960-A2E1149195DE}" type="datetimeFigureOut">
+            <a:fld id="{A8CC7C15-438F-4F06-85CF-3D3CC715DC7C}" type="datetimeFigureOut">
               <a:rPr lang="zh-CN" altLang="en-US" smtClean="0"/>
               <a:t>2024/3/10</a:t>
             </a:fld>
@@ -1962,7 +1962,7 @@
           <p:cNvPr id="4" name="页脚占位符 3">
             <a:extLst>
               <a:ext uri="{FF2B5EF4-FFF2-40B4-BE49-F238E27FC236}">
-                <a16:creationId xmlns:a16="http://schemas.microsoft.com/office/drawing/2014/main" id="{CCD1C66E-A708-4D1E-E551-B02884060229}"/>
+                <a16:creationId xmlns:a16="http://schemas.microsoft.com/office/drawing/2014/main" id="{50472E33-FA13-05F1-426E-E6589F0C0234}"/>
               </a:ext>
             </a:extLst>
           </p:cNvPr>
@@ -1987,7 +1987,7 @@
           <p:cNvPr id="5" name="灯片编号占位符 4">
             <a:extLst>
               <a:ext uri="{FF2B5EF4-FFF2-40B4-BE49-F238E27FC236}">
-                <a16:creationId xmlns:a16="http://schemas.microsoft.com/office/drawing/2014/main" id="{089EF46A-B71B-07D5-58B7-BD72E98D756F}"/>
+                <a16:creationId xmlns:a16="http://schemas.microsoft.com/office/drawing/2014/main" id="{0C38EDF3-DC1B-0010-A3EA-2CF29AF1C203}"/>
               </a:ext>
             </a:extLst>
           </p:cNvPr>
@@ -2003,7 +2003,7 @@
           <a:bodyPr/>
           <a:lstStyle/>
           <a:p>
-            <a:fld id="{014D9A22-5DA3-464D-9DA0-B2ADAA0E430F}" type="slidenum">
+            <a:fld id="{EE28B2A0-37AE-4888-A695-5E9606525FC6}" type="slidenum">
               <a:rPr lang="zh-CN" altLang="en-US" smtClean="0"/>
               <a:t>‹#›</a:t>
             </a:fld>
@@ -2014,7 +2014,7 @@
     </p:spTree>
     <p:extLst>
       <p:ext uri="{BB962C8B-B14F-4D97-AF65-F5344CB8AC3E}">
-        <p14:creationId xmlns:p14="http://schemas.microsoft.com/office/powerpoint/2010/main" val="3214003343"/>
+        <p14:creationId xmlns:p14="http://schemas.microsoft.com/office/powerpoint/2010/main" val="2158812978"/>
       </p:ext>
     </p:extLst>
   </p:cSld>
@@ -2046,7 +2046,7 @@
           <p:cNvPr id="2" name="日期占位符 1">
             <a:extLst>
               <a:ext uri="{FF2B5EF4-FFF2-40B4-BE49-F238E27FC236}">
-                <a16:creationId xmlns:a16="http://schemas.microsoft.com/office/drawing/2014/main" id="{0F171EAB-425B-60EE-A137-470F81517E59}"/>
+                <a16:creationId xmlns:a16="http://schemas.microsoft.com/office/drawing/2014/main" id="{D8150536-981E-AF32-7E7C-E1407D142CF1}"/>
               </a:ext>
             </a:extLst>
           </p:cNvPr>
@@ -2062,7 +2062,7 @@
           <a:bodyPr/>
           <a:lstStyle/>
           <a:p>
-            <a:fld id="{F450B8F7-741E-402B-8960-A2E1149195DE}" type="datetimeFigureOut">
+            <a:fld id="{A8CC7C15-438F-4F06-85CF-3D3CC715DC7C}" type="datetimeFigureOut">
               <a:rPr lang="zh-CN" altLang="en-US" smtClean="0"/>
               <a:t>2024/3/10</a:t>
             </a:fld>
@@ -2075,7 +2075,7 @@
           <p:cNvPr id="3" name="页脚占位符 2">
             <a:extLst>
               <a:ext uri="{FF2B5EF4-FFF2-40B4-BE49-F238E27FC236}">
-                <a16:creationId xmlns:a16="http://schemas.microsoft.com/office/drawing/2014/main" id="{3DADC6A6-2D80-C382-AEA5-9E5CACB16AA4}"/>
+                <a16:creationId xmlns:a16="http://schemas.microsoft.com/office/drawing/2014/main" id="{E04526DC-8020-18A5-2960-6DDC15D4EF24}"/>
               </a:ext>
             </a:extLst>
           </p:cNvPr>
@@ -2100,7 +2100,7 @@
           <p:cNvPr id="4" name="灯片编号占位符 3">
             <a:extLst>
               <a:ext uri="{FF2B5EF4-FFF2-40B4-BE49-F238E27FC236}">
-                <a16:creationId xmlns:a16="http://schemas.microsoft.com/office/drawing/2014/main" id="{BED4F6D3-72B4-2338-D303-4B8070F8D903}"/>
+                <a16:creationId xmlns:a16="http://schemas.microsoft.com/office/drawing/2014/main" id="{CA9A9F26-9B7D-1996-B979-E1A14B988354}"/>
               </a:ext>
             </a:extLst>
           </p:cNvPr>
@@ -2116,7 +2116,7 @@
           <a:bodyPr/>
           <a:lstStyle/>
           <a:p>
-            <a:fld id="{014D9A22-5DA3-464D-9DA0-B2ADAA0E430F}" type="slidenum">
+            <a:fld id="{EE28B2A0-37AE-4888-A695-5E9606525FC6}" type="slidenum">
               <a:rPr lang="zh-CN" altLang="en-US" smtClean="0"/>
               <a:t>‹#›</a:t>
             </a:fld>
@@ -2127,7 +2127,7 @@
     </p:spTree>
     <p:extLst>
       <p:ext uri="{BB962C8B-B14F-4D97-AF65-F5344CB8AC3E}">
-        <p14:creationId xmlns:p14="http://schemas.microsoft.com/office/powerpoint/2010/main" val="217806526"/>
+        <p14:creationId xmlns:p14="http://schemas.microsoft.com/office/powerpoint/2010/main" val="2599382444"/>
       </p:ext>
     </p:extLst>
   </p:cSld>
@@ -2159,7 +2159,7 @@
           <p:cNvPr id="2" name="标题 1">
             <a:extLst>
               <a:ext uri="{FF2B5EF4-FFF2-40B4-BE49-F238E27FC236}">
-                <a16:creationId xmlns:a16="http://schemas.microsoft.com/office/drawing/2014/main" id="{67954BFE-42D5-EC59-F796-11F87499A4D7}"/>
+                <a16:creationId xmlns:a16="http://schemas.microsoft.com/office/drawing/2014/main" id="{299A48FF-45FD-6C55-BBE2-FA528C73BC85}"/>
               </a:ext>
             </a:extLst>
           </p:cNvPr>
@@ -2196,7 +2196,7 @@
           <p:cNvPr id="3" name="内容占位符 2">
             <a:extLst>
               <a:ext uri="{FF2B5EF4-FFF2-40B4-BE49-F238E27FC236}">
-                <a16:creationId xmlns:a16="http://schemas.microsoft.com/office/drawing/2014/main" id="{B3B461CE-796E-A3F5-84D1-CB8C670C25BF}"/>
+                <a16:creationId xmlns:a16="http://schemas.microsoft.com/office/drawing/2014/main" id="{C3E0C4DC-644D-ADA1-3AD6-D55AE7BCFE85}"/>
               </a:ext>
             </a:extLst>
           </p:cNvPr>
@@ -2286,7 +2286,7 @@
           <p:cNvPr id="4" name="文本占位符 3">
             <a:extLst>
               <a:ext uri="{FF2B5EF4-FFF2-40B4-BE49-F238E27FC236}">
-                <a16:creationId xmlns:a16="http://schemas.microsoft.com/office/drawing/2014/main" id="{5A9B35FB-02DF-F598-17FF-D8F5A15C4A5D}"/>
+                <a16:creationId xmlns:a16="http://schemas.microsoft.com/office/drawing/2014/main" id="{4470B829-FDC5-F354-BEDE-9D07BD033473}"/>
               </a:ext>
             </a:extLst>
           </p:cNvPr>
@@ -2357,7 +2357,7 @@
           <p:cNvPr id="5" name="日期占位符 4">
             <a:extLst>
               <a:ext uri="{FF2B5EF4-FFF2-40B4-BE49-F238E27FC236}">
-                <a16:creationId xmlns:a16="http://schemas.microsoft.com/office/drawing/2014/main" id="{A5BE5D11-0BF2-1CDE-65CC-9279D2BCC439}"/>
+                <a16:creationId xmlns:a16="http://schemas.microsoft.com/office/drawing/2014/main" id="{CD63FD53-E615-3D94-8AF5-3AD5BE534AF9}"/>
               </a:ext>
             </a:extLst>
           </p:cNvPr>
@@ -2373,7 +2373,7 @@
           <a:bodyPr/>
           <a:lstStyle/>
           <a:p>
-            <a:fld id="{F450B8F7-741E-402B-8960-A2E1149195DE}" type="datetimeFigureOut">
+            <a:fld id="{A8CC7C15-438F-4F06-85CF-3D3CC715DC7C}" type="datetimeFigureOut">
               <a:rPr lang="zh-CN" altLang="en-US" smtClean="0"/>
               <a:t>2024/3/10</a:t>
             </a:fld>
@@ -2386,7 +2386,7 @@
           <p:cNvPr id="6" name="页脚占位符 5">
             <a:extLst>
               <a:ext uri="{FF2B5EF4-FFF2-40B4-BE49-F238E27FC236}">
-                <a16:creationId xmlns:a16="http://schemas.microsoft.com/office/drawing/2014/main" id="{D1D1B5B1-FF87-E7C7-9FF5-A750725139E4}"/>
+                <a16:creationId xmlns:a16="http://schemas.microsoft.com/office/drawing/2014/main" id="{BE7FC4BF-A6D8-89AB-1EC5-5410959B9681}"/>
               </a:ext>
             </a:extLst>
           </p:cNvPr>
@@ -2411,7 +2411,7 @@
           <p:cNvPr id="7" name="灯片编号占位符 6">
             <a:extLst>
               <a:ext uri="{FF2B5EF4-FFF2-40B4-BE49-F238E27FC236}">
-                <a16:creationId xmlns:a16="http://schemas.microsoft.com/office/drawing/2014/main" id="{DF4687ED-C50A-E46B-C597-8077CB9A85D4}"/>
+                <a16:creationId xmlns:a16="http://schemas.microsoft.com/office/drawing/2014/main" id="{FA641BC7-2B11-4BBD-C6A3-4D9F7DFF39B0}"/>
               </a:ext>
             </a:extLst>
           </p:cNvPr>
@@ -2427,7 +2427,7 @@
           <a:bodyPr/>
           <a:lstStyle/>
           <a:p>
-            <a:fld id="{014D9A22-5DA3-464D-9DA0-B2ADAA0E430F}" type="slidenum">
+            <a:fld id="{EE28B2A0-37AE-4888-A695-5E9606525FC6}" type="slidenum">
               <a:rPr lang="zh-CN" altLang="en-US" smtClean="0"/>
               <a:t>‹#›</a:t>
             </a:fld>
@@ -2438,7 +2438,7 @@
     </p:spTree>
     <p:extLst>
       <p:ext uri="{BB962C8B-B14F-4D97-AF65-F5344CB8AC3E}">
-        <p14:creationId xmlns:p14="http://schemas.microsoft.com/office/powerpoint/2010/main" val="3768917583"/>
+        <p14:creationId xmlns:p14="http://schemas.microsoft.com/office/powerpoint/2010/main" val="2426563485"/>
       </p:ext>
     </p:extLst>
   </p:cSld>
@@ -2470,7 +2470,7 @@
           <p:cNvPr id="2" name="标题 1">
             <a:extLst>
               <a:ext uri="{FF2B5EF4-FFF2-40B4-BE49-F238E27FC236}">
-                <a16:creationId xmlns:a16="http://schemas.microsoft.com/office/drawing/2014/main" id="{D85FD27D-38DC-1CBB-0340-498ADF2B80B4}"/>
+                <a16:creationId xmlns:a16="http://schemas.microsoft.com/office/drawing/2014/main" id="{37BAF4C6-16D2-81E7-DC38-0510FDC901F7}"/>
               </a:ext>
             </a:extLst>
           </p:cNvPr>
@@ -2507,7 +2507,7 @@
           <p:cNvPr id="3" name="图片占位符 2">
             <a:extLst>
               <a:ext uri="{FF2B5EF4-FFF2-40B4-BE49-F238E27FC236}">
-                <a16:creationId xmlns:a16="http://schemas.microsoft.com/office/drawing/2014/main" id="{7E8216BC-3962-C8C7-4D70-AFE460E169CC}"/>
+                <a16:creationId xmlns:a16="http://schemas.microsoft.com/office/drawing/2014/main" id="{4AFF21F8-9925-4C45-0269-18FFD81A9196}"/>
               </a:ext>
             </a:extLst>
           </p:cNvPr>
@@ -2574,7 +2574,7 @@
           <p:cNvPr id="4" name="文本占位符 3">
             <a:extLst>
               <a:ext uri="{FF2B5EF4-FFF2-40B4-BE49-F238E27FC236}">
-                <a16:creationId xmlns:a16="http://schemas.microsoft.com/office/drawing/2014/main" id="{026BE51D-55E8-9EC1-85BB-DB93F7AF4DB7}"/>
+                <a16:creationId xmlns:a16="http://schemas.microsoft.com/office/drawing/2014/main" id="{42AE68C3-573B-EDB0-C62D-6E6F7365081D}"/>
               </a:ext>
             </a:extLst>
           </p:cNvPr>
@@ -2645,7 +2645,7 @@
           <p:cNvPr id="5" name="日期占位符 4">
             <a:extLst>
               <a:ext uri="{FF2B5EF4-FFF2-40B4-BE49-F238E27FC236}">
-                <a16:creationId xmlns:a16="http://schemas.microsoft.com/office/drawing/2014/main" id="{3B644FF4-8235-F005-FCFA-B98E1AC9DFB4}"/>
+                <a16:creationId xmlns:a16="http://schemas.microsoft.com/office/drawing/2014/main" id="{6AE69FB3-5D8C-EE36-1996-B0DFF672DBE2}"/>
               </a:ext>
             </a:extLst>
           </p:cNvPr>
@@ -2661,7 +2661,7 @@
           <a:bodyPr/>
           <a:lstStyle/>
           <a:p>
-            <a:fld id="{F450B8F7-741E-402B-8960-A2E1149195DE}" type="datetimeFigureOut">
+            <a:fld id="{A8CC7C15-438F-4F06-85CF-3D3CC715DC7C}" type="datetimeFigureOut">
               <a:rPr lang="zh-CN" altLang="en-US" smtClean="0"/>
               <a:t>2024/3/10</a:t>
             </a:fld>
@@ -2674,7 +2674,7 @@
           <p:cNvPr id="6" name="页脚占位符 5">
             <a:extLst>
               <a:ext uri="{FF2B5EF4-FFF2-40B4-BE49-F238E27FC236}">
-                <a16:creationId xmlns:a16="http://schemas.microsoft.com/office/drawing/2014/main" id="{47E3C054-70F9-C7DB-51E9-346BFD92B02D}"/>
+                <a16:creationId xmlns:a16="http://schemas.microsoft.com/office/drawing/2014/main" id="{4E6DDCE1-6CFA-072F-9EDE-1A65D9FBFC82}"/>
               </a:ext>
             </a:extLst>
           </p:cNvPr>
@@ -2699,7 +2699,7 @@
           <p:cNvPr id="7" name="灯片编号占位符 6">
             <a:extLst>
               <a:ext uri="{FF2B5EF4-FFF2-40B4-BE49-F238E27FC236}">
-                <a16:creationId xmlns:a16="http://schemas.microsoft.com/office/drawing/2014/main" id="{86D470F6-37B8-3C30-501D-AD0DF6787FFB}"/>
+                <a16:creationId xmlns:a16="http://schemas.microsoft.com/office/drawing/2014/main" id="{1B1DD083-5097-743C-5060-1251E2C34E09}"/>
               </a:ext>
             </a:extLst>
           </p:cNvPr>
@@ -2715,7 +2715,7 @@
           <a:bodyPr/>
           <a:lstStyle/>
           <a:p>
-            <a:fld id="{014D9A22-5DA3-464D-9DA0-B2ADAA0E430F}" type="slidenum">
+            <a:fld id="{EE28B2A0-37AE-4888-A695-5E9606525FC6}" type="slidenum">
               <a:rPr lang="zh-CN" altLang="en-US" smtClean="0"/>
               <a:t>‹#›</a:t>
             </a:fld>
@@ -2726,7 +2726,7 @@
     </p:spTree>
     <p:extLst>
       <p:ext uri="{BB962C8B-B14F-4D97-AF65-F5344CB8AC3E}">
-        <p14:creationId xmlns:p14="http://schemas.microsoft.com/office/powerpoint/2010/main" val="623875708"/>
+        <p14:creationId xmlns:p14="http://schemas.microsoft.com/office/powerpoint/2010/main" val="2091487997"/>
       </p:ext>
     </p:extLst>
   </p:cSld>
@@ -2763,7 +2763,7 @@
           <p:cNvPr id="2" name="标题占位符 1">
             <a:extLst>
               <a:ext uri="{FF2B5EF4-FFF2-40B4-BE49-F238E27FC236}">
-                <a16:creationId xmlns:a16="http://schemas.microsoft.com/office/drawing/2014/main" id="{67FC2B60-9B6A-C392-D7B8-F3FE1549EEBD}"/>
+                <a16:creationId xmlns:a16="http://schemas.microsoft.com/office/drawing/2014/main" id="{46654E10-4A7D-41CB-0031-0C561A2A51F5}"/>
               </a:ext>
             </a:extLst>
           </p:cNvPr>
@@ -2801,7 +2801,7 @@
           <p:cNvPr id="3" name="文本占位符 2">
             <a:extLst>
               <a:ext uri="{FF2B5EF4-FFF2-40B4-BE49-F238E27FC236}">
-                <a16:creationId xmlns:a16="http://schemas.microsoft.com/office/drawing/2014/main" id="{386A2D23-A8E8-DBC5-9602-91A7C07F74E2}"/>
+                <a16:creationId xmlns:a16="http://schemas.microsoft.com/office/drawing/2014/main" id="{26146A98-589F-C98C-552A-C5DEF742E94F}"/>
               </a:ext>
             </a:extLst>
           </p:cNvPr>
@@ -2868,7 +2868,7 @@
           <p:cNvPr id="4" name="日期占位符 3">
             <a:extLst>
               <a:ext uri="{FF2B5EF4-FFF2-40B4-BE49-F238E27FC236}">
-                <a16:creationId xmlns:a16="http://schemas.microsoft.com/office/drawing/2014/main" id="{2A1F1683-689A-2367-0557-20D04712759E}"/>
+                <a16:creationId xmlns:a16="http://schemas.microsoft.com/office/drawing/2014/main" id="{92228C2D-CB5B-41C1-2775-1B4BB91031CE}"/>
               </a:ext>
             </a:extLst>
           </p:cNvPr>
@@ -2902,7 +2902,7 @@
             </a:lvl1pPr>
           </a:lstStyle>
           <a:p>
-            <a:fld id="{F450B8F7-741E-402B-8960-A2E1149195DE}" type="datetimeFigureOut">
+            <a:fld id="{A8CC7C15-438F-4F06-85CF-3D3CC715DC7C}" type="datetimeFigureOut">
               <a:rPr lang="zh-CN" altLang="en-US" smtClean="0"/>
               <a:t>2024/3/10</a:t>
             </a:fld>
@@ -2915,7 +2915,7 @@
           <p:cNvPr id="5" name="页脚占位符 4">
             <a:extLst>
               <a:ext uri="{FF2B5EF4-FFF2-40B4-BE49-F238E27FC236}">
-                <a16:creationId xmlns:a16="http://schemas.microsoft.com/office/drawing/2014/main" id="{06BC9AB2-C2CC-1FE0-6075-490DF92AEE8E}"/>
+                <a16:creationId xmlns:a16="http://schemas.microsoft.com/office/drawing/2014/main" id="{BB3FE79F-AB8C-33C4-7273-3F70E777BD71}"/>
               </a:ext>
             </a:extLst>
           </p:cNvPr>
@@ -2958,7 +2958,7 @@
           <p:cNvPr id="6" name="灯片编号占位符 5">
             <a:extLst>
               <a:ext uri="{FF2B5EF4-FFF2-40B4-BE49-F238E27FC236}">
-                <a16:creationId xmlns:a16="http://schemas.microsoft.com/office/drawing/2014/main" id="{D15D6F70-B1D9-740B-2D98-7E235AFD681C}"/>
+                <a16:creationId xmlns:a16="http://schemas.microsoft.com/office/drawing/2014/main" id="{9194EC06-907C-1F5D-5E8A-06BC4121E8E3}"/>
               </a:ext>
             </a:extLst>
           </p:cNvPr>
@@ -2992,7 +2992,7 @@
             </a:lvl1pPr>
           </a:lstStyle>
           <a:p>
-            <a:fld id="{014D9A22-5DA3-464D-9DA0-B2ADAA0E430F}" type="slidenum">
+            <a:fld id="{EE28B2A0-37AE-4888-A695-5E9606525FC6}" type="slidenum">
               <a:rPr lang="zh-CN" altLang="en-US" smtClean="0"/>
               <a:t>‹#›</a:t>
             </a:fld>
@@ -3003,7 +3003,7 @@
     </p:spTree>
     <p:extLst>
       <p:ext uri="{BB962C8B-B14F-4D97-AF65-F5344CB8AC3E}">
-        <p14:creationId xmlns:p14="http://schemas.microsoft.com/office/powerpoint/2010/main" val="2576771370"/>
+        <p14:creationId xmlns:p14="http://schemas.microsoft.com/office/powerpoint/2010/main" val="3121843599"/>
       </p:ext>
     </p:extLst>
   </p:cSld>
